--- a/Computer Science/CPU Clock Speed (Тактова частота).pptx
+++ b/Computer Science/CPU Clock Speed (Тактова частота).pptx
@@ -3519,8 +3519,8 @@
         </p:blipFill>
         <p:spPr>
           <a:xfrm>
-            <a:off x="475047" y="2091940"/>
-            <a:ext cx="6014529" cy="3948313"/>
+            <a:off x="151311" y="2051789"/>
+            <a:ext cx="5637703" cy="3700941"/>
           </a:xfrm>
           <a:prstGeom prst="rect">
             <a:avLst/>
@@ -3549,7 +3549,7 @@
         </p:blipFill>
         <p:spPr>
           <a:xfrm>
-            <a:off x="6221118" y="1980552"/>
+            <a:off x="5775819" y="1861984"/>
             <a:ext cx="2600325" cy="1524000"/>
           </a:xfrm>
           <a:prstGeom prst="rect">
@@ -3579,7 +3579,7 @@
         </p:blipFill>
         <p:spPr>
           <a:xfrm>
-            <a:off x="8940876" y="2313927"/>
+            <a:off x="5789014" y="3187547"/>
             <a:ext cx="2886075" cy="1190625"/>
           </a:xfrm>
           <a:prstGeom prst="rect">
@@ -3609,8 +3609,38 @@
         </p:blipFill>
         <p:spPr>
           <a:xfrm>
-            <a:off x="7645105" y="3637163"/>
+            <a:off x="6023469" y="4266155"/>
             <a:ext cx="2352675" cy="2495550"/>
+          </a:xfrm>
+          <a:prstGeom prst="rect">
+            <a:avLst/>
+          </a:prstGeom>
+        </p:spPr>
+      </p:pic>
+      <p:pic>
+        <p:nvPicPr>
+          <p:cNvPr id="4" name="Picture 3">
+            <a:extLst>
+              <a:ext uri="{FF2B5EF4-FFF2-40B4-BE49-F238E27FC236}">
+                <a16:creationId xmlns:a16="http://schemas.microsoft.com/office/drawing/2014/main" id="{EA67C0A7-4D70-1DEC-D96A-26F477EC052F}"/>
+              </a:ext>
+            </a:extLst>
+          </p:cNvPr>
+          <p:cNvPicPr>
+            <a:picLocks noChangeAspect="1"/>
+          </p:cNvPicPr>
+          <p:nvPr/>
+        </p:nvPicPr>
+        <p:blipFill>
+          <a:blip r:embed="rId6"/>
+          <a:stretch>
+            <a:fillRect/>
+          </a:stretch>
+        </p:blipFill>
+        <p:spPr>
+          <a:xfrm>
+            <a:off x="8571759" y="2414078"/>
+            <a:ext cx="3581400" cy="3552825"/>
           </a:xfrm>
           <a:prstGeom prst="rect">
             <a:avLst/>

--- a/Computer Science/CPU Clock Speed (Тактова частота).pptx
+++ b/Computer Science/CPU Clock Speed (Тактова частота).pptx
@@ -5,8 +5,7 @@
     <p:sldMasterId id="2147483648" r:id="rId1"/>
   </p:sldMasterIdLst>
   <p:sldIdLst>
-    <p:sldId id="256" r:id="rId2"/>
-    <p:sldId id="257" r:id="rId3"/>
+    <p:sldId id="257" r:id="rId2"/>
   </p:sldIdLst>
   <p:sldSz cx="12192000" cy="6858000"/>
   <p:notesSz cx="6858000" cy="9144000"/>
@@ -262,7 +261,7 @@
           <a:p>
             <a:fld id="{18C6E757-88D5-42B5-9D85-DCE7058DA428}" type="datetimeFigureOut">
               <a:rPr lang="en-GB" smtClean="0"/>
-              <a:t>12/06/2025</a:t>
+              <a:t>23/06/2025</a:t>
             </a:fld>
             <a:endParaRPr lang="en-GB"/>
           </a:p>
@@ -462,7 +461,7 @@
           <a:p>
             <a:fld id="{18C6E757-88D5-42B5-9D85-DCE7058DA428}" type="datetimeFigureOut">
               <a:rPr lang="en-GB" smtClean="0"/>
-              <a:t>12/06/2025</a:t>
+              <a:t>23/06/2025</a:t>
             </a:fld>
             <a:endParaRPr lang="en-GB"/>
           </a:p>
@@ -672,7 +671,7 @@
           <a:p>
             <a:fld id="{18C6E757-88D5-42B5-9D85-DCE7058DA428}" type="datetimeFigureOut">
               <a:rPr lang="en-GB" smtClean="0"/>
-              <a:t>12/06/2025</a:t>
+              <a:t>23/06/2025</a:t>
             </a:fld>
             <a:endParaRPr lang="en-GB"/>
           </a:p>
@@ -872,7 +871,7 @@
           <a:p>
             <a:fld id="{18C6E757-88D5-42B5-9D85-DCE7058DA428}" type="datetimeFigureOut">
               <a:rPr lang="en-GB" smtClean="0"/>
-              <a:t>12/06/2025</a:t>
+              <a:t>23/06/2025</a:t>
             </a:fld>
             <a:endParaRPr lang="en-GB"/>
           </a:p>
@@ -1148,7 +1147,7 @@
           <a:p>
             <a:fld id="{18C6E757-88D5-42B5-9D85-DCE7058DA428}" type="datetimeFigureOut">
               <a:rPr lang="en-GB" smtClean="0"/>
-              <a:t>12/06/2025</a:t>
+              <a:t>23/06/2025</a:t>
             </a:fld>
             <a:endParaRPr lang="en-GB"/>
           </a:p>
@@ -1416,7 +1415,7 @@
           <a:p>
             <a:fld id="{18C6E757-88D5-42B5-9D85-DCE7058DA428}" type="datetimeFigureOut">
               <a:rPr lang="en-GB" smtClean="0"/>
-              <a:t>12/06/2025</a:t>
+              <a:t>23/06/2025</a:t>
             </a:fld>
             <a:endParaRPr lang="en-GB"/>
           </a:p>
@@ -1831,7 +1830,7 @@
           <a:p>
             <a:fld id="{18C6E757-88D5-42B5-9D85-DCE7058DA428}" type="datetimeFigureOut">
               <a:rPr lang="en-GB" smtClean="0"/>
-              <a:t>12/06/2025</a:t>
+              <a:t>23/06/2025</a:t>
             </a:fld>
             <a:endParaRPr lang="en-GB"/>
           </a:p>
@@ -1973,7 +1972,7 @@
           <a:p>
             <a:fld id="{18C6E757-88D5-42B5-9D85-DCE7058DA428}" type="datetimeFigureOut">
               <a:rPr lang="en-GB" smtClean="0"/>
-              <a:t>12/06/2025</a:t>
+              <a:t>23/06/2025</a:t>
             </a:fld>
             <a:endParaRPr lang="en-GB"/>
           </a:p>
@@ -2086,7 +2085,7 @@
           <a:p>
             <a:fld id="{18C6E757-88D5-42B5-9D85-DCE7058DA428}" type="datetimeFigureOut">
               <a:rPr lang="en-GB" smtClean="0"/>
-              <a:t>12/06/2025</a:t>
+              <a:t>23/06/2025</a:t>
             </a:fld>
             <a:endParaRPr lang="en-GB"/>
           </a:p>
@@ -2399,7 +2398,7 @@
           <a:p>
             <a:fld id="{18C6E757-88D5-42B5-9D85-DCE7058DA428}" type="datetimeFigureOut">
               <a:rPr lang="en-GB" smtClean="0"/>
-              <a:t>12/06/2025</a:t>
+              <a:t>23/06/2025</a:t>
             </a:fld>
             <a:endParaRPr lang="en-GB"/>
           </a:p>
@@ -2688,7 +2687,7 @@
           <a:p>
             <a:fld id="{18C6E757-88D5-42B5-9D85-DCE7058DA428}" type="datetimeFigureOut">
               <a:rPr lang="en-GB" smtClean="0"/>
-              <a:t>12/06/2025</a:t>
+              <a:t>23/06/2025</a:t>
             </a:fld>
             <a:endParaRPr lang="en-GB"/>
           </a:p>
@@ -2931,7 +2930,7 @@
           <a:p>
             <a:fld id="{18C6E757-88D5-42B5-9D85-DCE7058DA428}" type="datetimeFigureOut">
               <a:rPr lang="en-GB" smtClean="0"/>
-              <a:t>12/06/2025</a:t>
+              <a:t>23/06/2025</a:t>
             </a:fld>
             <a:endParaRPr lang="en-GB"/>
           </a:p>
@@ -3353,90 +3352,6 @@
           <p:cNvPr id="2" name="Title 1">
             <a:extLst>
               <a:ext uri="{FF2B5EF4-FFF2-40B4-BE49-F238E27FC236}">
-                <a16:creationId xmlns:a16="http://schemas.microsoft.com/office/drawing/2014/main" id="{B1EC8159-0323-3A7F-15D4-4D9CAC9BF765}"/>
-              </a:ext>
-            </a:extLst>
-          </p:cNvPr>
-          <p:cNvSpPr>
-            <a:spLocks noGrp="1"/>
-          </p:cNvSpPr>
-          <p:nvPr>
-            <p:ph type="ctrTitle"/>
-          </p:nvPr>
-        </p:nvSpPr>
-        <p:spPr/>
-        <p:txBody>
-          <a:bodyPr>
-            <a:normAutofit/>
-          </a:bodyPr>
-          <a:lstStyle/>
-          <a:p>
-            <a:r>
-              <a:rPr lang="en-GB" dirty="0"/>
-              <a:t>Clock Speed</a:t>
-            </a:r>
-            <a:r>
-              <a:rPr lang="uk-UA" dirty="0"/>
-              <a:t> </a:t>
-            </a:r>
-            <a:r>
-              <a:rPr lang="en-GB" dirty="0"/>
-              <a:t>CPU</a:t>
-            </a:r>
-            <a:br>
-              <a:rPr lang="en-GB" dirty="0"/>
-            </a:br>
-            <a:r>
-              <a:rPr lang="uk-UA" dirty="0"/>
-              <a:t>(</a:t>
-            </a:r>
-            <a:r>
-              <a:rPr lang="uk-UA" sz="3100" dirty="0"/>
-              <a:t>Тактова Частота процесора</a:t>
-            </a:r>
-            <a:r>
-              <a:rPr lang="uk-UA" dirty="0"/>
-              <a:t>)</a:t>
-            </a:r>
-            <a:endParaRPr lang="en-GB" dirty="0"/>
-          </a:p>
-        </p:txBody>
-      </p:sp>
-    </p:spTree>
-    <p:extLst>
-      <p:ext uri="{BB962C8B-B14F-4D97-AF65-F5344CB8AC3E}">
-        <p14:creationId xmlns:p14="http://schemas.microsoft.com/office/powerpoint/2010/main" val="3801656915"/>
-      </p:ext>
-    </p:extLst>
-  </p:cSld>
-  <p:clrMapOvr>
-    <a:masterClrMapping/>
-  </p:clrMapOvr>
-</p:sld>
-</file>
-
-<file path=ppt/slides/slide2.xml><?xml version="1.0" encoding="utf-8"?>
-<p:sld xmlns:a="http://schemas.openxmlformats.org/drawingml/2006/main" xmlns:r="http://schemas.openxmlformats.org/officeDocument/2006/relationships" xmlns:p="http://schemas.openxmlformats.org/presentationml/2006/main">
-  <p:cSld>
-    <p:spTree>
-      <p:nvGrpSpPr>
-        <p:cNvPr id="1" name=""/>
-        <p:cNvGrpSpPr/>
-        <p:nvPr/>
-      </p:nvGrpSpPr>
-      <p:grpSpPr>
-        <a:xfrm>
-          <a:off x="0" y="0"/>
-          <a:ext cx="0" cy="0"/>
-          <a:chOff x="0" y="0"/>
-          <a:chExt cx="0" cy="0"/>
-        </a:xfrm>
-      </p:grpSpPr>
-      <p:sp>
-        <p:nvSpPr>
-          <p:cNvPr id="2" name="Title 1">
-            <a:extLst>
-              <a:ext uri="{FF2B5EF4-FFF2-40B4-BE49-F238E27FC236}">
                 <a16:creationId xmlns:a16="http://schemas.microsoft.com/office/drawing/2014/main" id="{F876A6EE-9F1A-EA1F-8697-AFE96ADC199A}"/>
               </a:ext>
             </a:extLst>
@@ -3450,8 +3365,8 @@
         </p:nvSpPr>
         <p:spPr>
           <a:xfrm>
-            <a:off x="713083" y="654989"/>
-            <a:ext cx="10515600" cy="1325563"/>
+            <a:off x="559293" y="463058"/>
+            <a:ext cx="11452193" cy="1323592"/>
           </a:xfrm>
         </p:spPr>
         <p:txBody>
@@ -3461,8 +3376,12 @@
           <a:lstStyle/>
           <a:p>
             <a:r>
+              <a:rPr lang="en-GB" sz="1600"/>
+              <a:t>A higher </a:t>
+            </a:r>
+            <a:r>
               <a:rPr lang="en-GB" sz="1600" dirty="0"/>
-              <a:t>In general, a higher clock speed means a faster CPU. The clock speed measures the number of cycles your CPU executes per second, measured in GHz (gigahertz).</a:t>
+              <a:t>clock speed means a faster CPU. The clock speed measures the number of cycles your CPU executes per second, measured in GHz (gigahertz).</a:t>
             </a:r>
             <a:br>
               <a:rPr lang="en-GB" sz="1600" dirty="0"/>
@@ -3481,15 +3400,8 @@
             </a:r>
             <a:r>
               <a:rPr lang="ru-RU" sz="1600" dirty="0"/>
-              <a:t>У комп'ютерного процесора тактова частота означає, скільки операцій він може виконати за 1 секунду. У сучасних ПК тактова частота процесора становить від 1 до 4 ГГц. </a:t>
-            </a:r>
-            <a:r>
-              <a:rPr lang="uk-UA" sz="1600" dirty="0"/>
-              <a:t>Хоча вища тактова частота процесора дійсно дозволяє виконувати більше операцій за одиницю часу, на його продуктивність впливають і інші фактори. Такі характеристики, як архітектура процесора, кількість ядер, розмір кешу і підтримка багатопоточності, можуть мати більш важливий вплив на швидкість виконання конкретних завдань.</a:t>
-            </a:r>
-            <a:br>
-              <a:rPr lang="ru-RU" sz="1600" dirty="0"/>
-            </a:br>
+              <a:t>У процесора тактова частота означає, скільки операцій він може виконати за 1 секунду. </a:t>
+            </a:r>
             <a:br>
               <a:rPr lang="en-GB" sz="1600" dirty="0"/>
             </a:br>
@@ -3519,7 +3431,7 @@
         </p:blipFill>
         <p:spPr>
           <a:xfrm>
-            <a:off x="151311" y="2051789"/>
+            <a:off x="138116" y="1861984"/>
             <a:ext cx="5637703" cy="3700941"/>
           </a:xfrm>
           <a:prstGeom prst="rect">
@@ -3647,6 +3559,65 @@
           </a:prstGeom>
         </p:spPr>
       </p:pic>
+      <p:sp>
+        <p:nvSpPr>
+          <p:cNvPr id="6" name="TextBox 5">
+            <a:extLst>
+              <a:ext uri="{FF2B5EF4-FFF2-40B4-BE49-F238E27FC236}">
+                <a16:creationId xmlns:a16="http://schemas.microsoft.com/office/drawing/2014/main" id="{5CC86EFE-1AD2-986C-01D0-4CC7AB826211}"/>
+              </a:ext>
+            </a:extLst>
+          </p:cNvPr>
+          <p:cNvSpPr txBox="1"/>
+          <p:nvPr/>
+        </p:nvSpPr>
+        <p:spPr>
+          <a:xfrm>
+            <a:off x="1054997" y="5828064"/>
+            <a:ext cx="3081998" cy="646331"/>
+          </a:xfrm>
+          <a:prstGeom prst="rect">
+            <a:avLst/>
+          </a:prstGeom>
+          <a:noFill/>
+        </p:spPr>
+        <p:txBody>
+          <a:bodyPr wrap="square">
+            <a:spAutoFit/>
+          </a:bodyPr>
+          <a:lstStyle/>
+          <a:p>
+            <a:r>
+              <a:rPr lang="en-GB" dirty="0"/>
+              <a:t>Clock Speed</a:t>
+            </a:r>
+            <a:r>
+              <a:rPr lang="uk-UA" dirty="0"/>
+              <a:t> </a:t>
+            </a:r>
+            <a:r>
+              <a:rPr lang="en-GB" dirty="0"/>
+              <a:t>CPU</a:t>
+            </a:r>
+            <a:br>
+              <a:rPr lang="en-GB" dirty="0"/>
+            </a:br>
+            <a:r>
+              <a:rPr lang="uk-UA" dirty="0"/>
+              <a:t>(</a:t>
+            </a:r>
+            <a:r>
+              <a:rPr lang="uk-UA" sz="1800" dirty="0"/>
+              <a:t>Тактова Частота процесора</a:t>
+            </a:r>
+            <a:r>
+              <a:rPr lang="uk-UA" dirty="0"/>
+              <a:t>)</a:t>
+            </a:r>
+            <a:endParaRPr lang="en-GB" dirty="0"/>
+          </a:p>
+        </p:txBody>
+      </p:sp>
     </p:spTree>
     <p:extLst>
       <p:ext uri="{BB962C8B-B14F-4D97-AF65-F5344CB8AC3E}">
